--- a/ smart-buy/Slides/String Comparison.pptx
+++ b/ smart-buy/Slides/String Comparison.pptx
@@ -110,7 +110,7 @@
   </p:defaultTextStyle>
   <p:extLst>
     <p:ext uri="{EFAFB233-063F-42B5-8137-9DF3F51BA10A}">
-      <p15:sldGuideLst xmlns="" xmlns:p15="http://schemas.microsoft.com/office/powerpoint/2012/main"/>
+      <p15:sldGuideLst xmlns:p15="http://schemas.microsoft.com/office/powerpoint/2012/main" xmlns=""/>
     </p:ext>
   </p:extLst>
 </p:presentation>
@@ -6027,7 +6027,7 @@
           <p:nvPr>
             <p:extLst>
               <p:ext uri="{D42A27DB-BD31-4B8C-83A1-F6EECF244321}">
-                <p14:modId xmlns:p14="http://schemas.microsoft.com/office/powerpoint/2010/main" val="2415993330"/>
+                <p14:modId xmlns:p14="http://schemas.microsoft.com/office/powerpoint/2010/main" val="901569847"/>
               </p:ext>
             </p:extLst>
           </p:nvPr>
@@ -6261,11 +6261,12 @@
                     <a:lstStyle/>
                     <a:p>
                       <a:r>
-                        <a:rPr lang="en-US" dirty="0" smtClean="0">
+                        <a:rPr lang="en-GB" sz="1800" dirty="0" smtClean="0">
+                          <a:effectLst/>
                           <a:latin typeface="Arial" panose="020B0604020202020204" pitchFamily="34" charset="0"/>
                           <a:cs typeface="Arial" panose="020B0604020202020204" pitchFamily="34" charset="0"/>
                         </a:rPr>
-                        <a:t>Healed</a:t>
+                        <a:t>Heard</a:t>
                       </a:r>
                       <a:endParaRPr lang="en-GB" dirty="0">
                         <a:latin typeface="Arial" panose="020B0604020202020204" pitchFamily="34" charset="0"/>
@@ -6936,8 +6937,8 @@
           </a:p>
         </p:txBody>
       </p:sp>
-      <mc:AlternateContent xmlns:mc="http://schemas.openxmlformats.org/markup-compatibility/2006">
-        <mc:Choice xmlns:a14="http://schemas.microsoft.com/office/drawing/2010/main" Requires="a14">
+      <mc:AlternateContent xmlns:mc="http://schemas.openxmlformats.org/markup-compatibility/2006" xmlns:a14="http://schemas.microsoft.com/office/drawing/2010/main">
+        <mc:Choice Requires="a14">
           <p:sp>
             <p:nvSpPr>
               <p:cNvPr id="3" name="Content Placeholder 2"/>
@@ -6974,47 +6975,65 @@
                 <a14:m>
                   <m:oMath xmlns:m="http://schemas.openxmlformats.org/officeDocument/2006/math">
                     <m:r>
-                      <a:rPr lang="en-GB" sz="3200" i="1"/>
+                      <a:rPr lang="en-GB" sz="3200" i="1">
+                        <a:latin typeface="Cambria Math"/>
+                      </a:rPr>
                       <m:t>𝑠𝑖𝑚𝑖𝑙𝑎𝑟𝑖𝑡𝑦</m:t>
                     </m:r>
                     <m:d>
                       <m:dPr>
                         <m:ctrlPr>
-                          <a:rPr lang="en-GB" sz="3200" i="1"/>
+                          <a:rPr lang="en-GB" sz="3200" i="1">
+                            <a:latin typeface="Cambria Math"/>
+                          </a:rPr>
                         </m:ctrlPr>
                       </m:dPr>
                       <m:e>
                         <m:r>
-                          <a:rPr lang="en-GB" sz="3200" i="1"/>
+                          <a:rPr lang="en-GB" sz="3200" i="1">
+                            <a:latin typeface="Cambria Math"/>
+                          </a:rPr>
                           <m:t>𝑠</m:t>
                         </m:r>
                         <m:r>
-                          <a:rPr lang="en-GB" sz="3200" i="1"/>
+                          <a:rPr lang="en-GB" sz="3200" i="1">
+                            <a:latin typeface="Cambria Math"/>
+                          </a:rPr>
                           <m:t>1,</m:t>
                         </m:r>
                         <m:r>
-                          <a:rPr lang="en-GB" sz="3200" i="1"/>
+                          <a:rPr lang="en-GB" sz="3200" i="1">
+                            <a:latin typeface="Cambria Math"/>
+                          </a:rPr>
                           <m:t>𝑠</m:t>
                         </m:r>
                         <m:r>
-                          <a:rPr lang="en-GB" sz="3200" i="1"/>
+                          <a:rPr lang="en-GB" sz="3200" i="1">
+                            <a:latin typeface="Cambria Math"/>
+                          </a:rPr>
                           <m:t>2</m:t>
                         </m:r>
                       </m:e>
                     </m:d>
                     <m:r>
-                      <a:rPr lang="en-GB" sz="3200" i="1"/>
+                      <a:rPr lang="en-GB" sz="3200" i="1">
+                        <a:latin typeface="Cambria Math"/>
+                      </a:rPr>
                       <m:t>=</m:t>
                     </m:r>
                     <m:f>
                       <m:fPr>
                         <m:ctrlPr>
-                          <a:rPr lang="en-GB" sz="3200" i="1"/>
+                          <a:rPr lang="en-GB" sz="3200" i="1">
+                            <a:latin typeface="Cambria Math"/>
+                          </a:rPr>
                         </m:ctrlPr>
                       </m:fPr>
                       <m:num>
                         <m:r>
-                          <a:rPr lang="en-GB" sz="3200" i="1"/>
+                          <a:rPr lang="en-GB" sz="3200" i="1">
+                            <a:latin typeface="Cambria Math"/>
+                          </a:rPr>
                           <m:t>2×</m:t>
                         </m:r>
                         <m:d>
@@ -7022,40 +7041,58 @@
                             <m:begChr m:val="|"/>
                             <m:endChr m:val="|"/>
                             <m:ctrlPr>
-                              <a:rPr lang="en-GB" sz="3200" i="1"/>
+                              <a:rPr lang="en-GB" sz="3200" i="1">
+                                <a:latin typeface="Cambria Math"/>
+                              </a:rPr>
                             </m:ctrlPr>
                           </m:dPr>
                           <m:e>
                             <m:r>
-                              <a:rPr lang="en-GB" sz="3200" i="1"/>
+                              <a:rPr lang="en-GB" sz="3200" i="1">
+                                <a:latin typeface="Cambria Math"/>
+                              </a:rPr>
                               <m:t>𝑝𝑎𝑖𝑟𝑠</m:t>
                             </m:r>
                             <m:r>
-                              <a:rPr lang="en-GB" sz="3200" i="1"/>
+                              <a:rPr lang="en-GB" sz="3200" i="1">
+                                <a:latin typeface="Cambria Math"/>
+                              </a:rPr>
                               <m:t>(</m:t>
                             </m:r>
                             <m:r>
-                              <a:rPr lang="en-GB" sz="3200" i="1"/>
+                              <a:rPr lang="en-GB" sz="3200" i="1">
+                                <a:latin typeface="Cambria Math"/>
+                              </a:rPr>
                               <m:t>𝑠</m:t>
                             </m:r>
                             <m:r>
-                              <a:rPr lang="en-GB" sz="3200" i="1"/>
+                              <a:rPr lang="en-GB" sz="3200" i="1">
+                                <a:latin typeface="Cambria Math"/>
+                              </a:rPr>
                               <m:t>1)∩</m:t>
                             </m:r>
                             <m:r>
-                              <a:rPr lang="en-GB" sz="3200" i="1"/>
+                              <a:rPr lang="en-GB" sz="3200" i="1">
+                                <a:latin typeface="Cambria Math"/>
+                              </a:rPr>
                               <m:t>𝑝𝑎𝑖𝑟𝑠</m:t>
                             </m:r>
                             <m:r>
-                              <a:rPr lang="en-GB" sz="3200" i="1"/>
+                              <a:rPr lang="en-GB" sz="3200" i="1">
+                                <a:latin typeface="Cambria Math"/>
+                              </a:rPr>
                               <m:t>(</m:t>
                             </m:r>
                             <m:r>
-                              <a:rPr lang="en-GB" sz="3200" i="1"/>
+                              <a:rPr lang="en-GB" sz="3200" i="1">
+                                <a:latin typeface="Cambria Math"/>
+                              </a:rPr>
                               <m:t>𝑠</m:t>
                             </m:r>
                             <m:r>
-                              <a:rPr lang="en-GB" sz="3200" i="1"/>
+                              <a:rPr lang="en-GB" sz="3200" i="1">
+                                <a:latin typeface="Cambria Math"/>
+                              </a:rPr>
                               <m:t>2)</m:t>
                             </m:r>
                           </m:e>
@@ -7067,27 +7104,37 @@
                             <m:begChr m:val="|"/>
                             <m:endChr m:val="|"/>
                             <m:ctrlPr>
-                              <a:rPr lang="en-GB" sz="3200" i="1"/>
+                              <a:rPr lang="en-GB" sz="3200" i="1">
+                                <a:latin typeface="Cambria Math"/>
+                              </a:rPr>
                             </m:ctrlPr>
                           </m:dPr>
                           <m:e>
                             <m:r>
-                              <a:rPr lang="en-GB" sz="3200" i="1"/>
+                              <a:rPr lang="en-GB" sz="3200" i="1">
+                                <a:latin typeface="Cambria Math"/>
+                              </a:rPr>
                               <m:t>𝑝𝑎𝑖𝑟𝑠</m:t>
                             </m:r>
                             <m:d>
                               <m:dPr>
                                 <m:ctrlPr>
-                                  <a:rPr lang="en-GB" sz="3200" i="1"/>
+                                  <a:rPr lang="en-GB" sz="3200" i="1">
+                                    <a:latin typeface="Cambria Math"/>
+                                  </a:rPr>
                                 </m:ctrlPr>
                               </m:dPr>
                               <m:e>
                                 <m:r>
-                                  <a:rPr lang="en-GB" sz="3200" i="1"/>
+                                  <a:rPr lang="en-GB" sz="3200" i="1">
+                                    <a:latin typeface="Cambria Math"/>
+                                  </a:rPr>
                                   <m:t>𝑠</m:t>
                                 </m:r>
                                 <m:r>
-                                  <a:rPr lang="en-GB" sz="3200" i="1"/>
+                                  <a:rPr lang="en-GB" sz="3200" i="1">
+                                    <a:latin typeface="Cambria Math"/>
+                                  </a:rPr>
                                   <m:t>1</m:t>
                                 </m:r>
                               </m:e>
@@ -7095,7 +7142,9 @@
                           </m:e>
                         </m:d>
                         <m:r>
-                          <a:rPr lang="en-GB" sz="3200" i="1"/>
+                          <a:rPr lang="en-GB" sz="3200" i="1">
+                            <a:latin typeface="Cambria Math"/>
+                          </a:rPr>
                           <m:t>+</m:t>
                         </m:r>
                         <m:d>
@@ -7103,24 +7152,34 @@
                             <m:begChr m:val="|"/>
                             <m:endChr m:val="|"/>
                             <m:ctrlPr>
-                              <a:rPr lang="en-GB" sz="3200" i="1"/>
+                              <a:rPr lang="en-GB" sz="3200" i="1">
+                                <a:latin typeface="Cambria Math"/>
+                              </a:rPr>
                             </m:ctrlPr>
                           </m:dPr>
                           <m:e>
                             <m:r>
-                              <a:rPr lang="en-GB" sz="3200" i="1"/>
+                              <a:rPr lang="en-GB" sz="3200" i="1">
+                                <a:latin typeface="Cambria Math"/>
+                              </a:rPr>
                               <m:t>𝑝𝑎𝑖𝑟𝑠</m:t>
                             </m:r>
                             <m:r>
-                              <a:rPr lang="en-GB" sz="3200" i="1"/>
+                              <a:rPr lang="en-GB" sz="3200" i="1">
+                                <a:latin typeface="Cambria Math"/>
+                              </a:rPr>
                               <m:t>(</m:t>
                             </m:r>
                             <m:r>
-                              <a:rPr lang="en-GB" sz="3200" i="1"/>
+                              <a:rPr lang="en-GB" sz="3200" i="1">
+                                <a:latin typeface="Cambria Math"/>
+                              </a:rPr>
                               <m:t>𝑠</m:t>
                             </m:r>
                             <m:r>
-                              <a:rPr lang="en-GB" sz="3200" i="1"/>
+                              <a:rPr lang="en-GB" sz="3200" i="1">
+                                <a:latin typeface="Cambria Math"/>
+                              </a:rPr>
                               <m:t>2)</m:t>
                             </m:r>
                           </m:e>
@@ -7134,7 +7193,7 @@
             </p:txBody>
           </p:sp>
         </mc:Choice>
-        <mc:Fallback>
+        <mc:Fallback xmlns="">
           <p:sp>
             <p:nvSpPr>
               <p:cNvPr id="3" name="Content Placeholder 2"/>
@@ -7381,8 +7440,8 @@
           </a:p>
         </p:txBody>
       </p:sp>
-      <mc:AlternateContent xmlns:mc="http://schemas.openxmlformats.org/markup-compatibility/2006">
-        <mc:Choice xmlns:a14="http://schemas.microsoft.com/office/drawing/2010/main" Requires="a14">
+      <mc:AlternateContent xmlns:mc="http://schemas.openxmlformats.org/markup-compatibility/2006" xmlns:a14="http://schemas.microsoft.com/office/drawing/2010/main">
+        <mc:Choice Requires="a14">
           <p:sp>
             <p:nvSpPr>
               <p:cNvPr id="3" name="Content Placeholder 2"/>
@@ -7428,7 +7487,9 @@
                 <a14:m>
                   <m:oMath xmlns:m="http://schemas.openxmlformats.org/officeDocument/2006/math">
                     <m:r>
-                      <a:rPr lang="en-GB" i="1"/>
+                      <a:rPr lang="en-GB" i="1">
+                        <a:latin typeface="Cambria Math"/>
+                      </a:rPr>
                       <m:t>→</m:t>
                     </m:r>
                   </m:oMath>
@@ -7448,7 +7509,9 @@
                 <a14:m>
                   <m:oMath xmlns:m="http://schemas.openxmlformats.org/officeDocument/2006/math">
                     <m:r>
-                      <a:rPr lang="en-GB" i="1"/>
+                      <a:rPr lang="en-GB" i="1">
+                        <a:latin typeface="Cambria Math"/>
+                      </a:rPr>
                       <m:t>→</m:t>
                     </m:r>
                   </m:oMath>
@@ -7476,7 +7539,9 @@
                 <a14:m>
                   <m:oMath xmlns:m="http://schemas.openxmlformats.org/officeDocument/2006/math">
                     <m:r>
-                      <a:rPr lang="en-GB" i="1"/>
+                      <a:rPr lang="en-GB" i="1">
+                        <a:latin typeface="Cambria Math"/>
+                      </a:rPr>
                       <m:t>→</m:t>
                     </m:r>
                     <m:d>
@@ -7484,44 +7549,64 @@
                         <m:begChr m:val="{"/>
                         <m:endChr m:val="}"/>
                         <m:ctrlPr>
-                          <a:rPr lang="en-GB" i="1"/>
+                          <a:rPr lang="en-GB" i="1">
+                            <a:latin typeface="Cambria Math"/>
+                          </a:rPr>
                         </m:ctrlPr>
                       </m:dPr>
                       <m:e>
                         <m:r>
-                          <a:rPr lang="en-GB" i="1"/>
+                          <a:rPr lang="en-GB" i="1">
+                            <a:latin typeface="Cambria Math"/>
+                          </a:rPr>
                           <m:t>𝐹𝑅</m:t>
                         </m:r>
                         <m:r>
-                          <a:rPr lang="en-GB" i="1"/>
+                          <a:rPr lang="en-GB" i="1">
+                            <a:latin typeface="Cambria Math"/>
+                          </a:rPr>
                           <m:t>,</m:t>
                         </m:r>
                         <m:r>
-                          <a:rPr lang="en-GB" i="1"/>
+                          <a:rPr lang="en-GB" i="1">
+                            <a:latin typeface="Cambria Math"/>
+                          </a:rPr>
                           <m:t>𝑅𝐴</m:t>
                         </m:r>
                         <m:r>
-                          <a:rPr lang="en-GB" i="1"/>
+                          <a:rPr lang="en-GB" i="1">
+                            <a:latin typeface="Cambria Math"/>
+                          </a:rPr>
                           <m:t>,</m:t>
                         </m:r>
                         <m:r>
-                          <a:rPr lang="en-GB" i="1"/>
+                          <a:rPr lang="en-GB" i="1">
+                            <a:latin typeface="Cambria Math"/>
+                          </a:rPr>
                           <m:t>𝐴𝑁</m:t>
                         </m:r>
                         <m:r>
-                          <a:rPr lang="en-GB" i="1"/>
+                          <a:rPr lang="en-GB" i="1">
+                            <a:latin typeface="Cambria Math"/>
+                          </a:rPr>
                           <m:t>,</m:t>
                         </m:r>
                         <m:r>
-                          <a:rPr lang="en-GB" i="1"/>
+                          <a:rPr lang="en-GB" i="1">
+                            <a:latin typeface="Cambria Math"/>
+                          </a:rPr>
                           <m:t>𝑁𝐶</m:t>
                         </m:r>
                         <m:r>
-                          <a:rPr lang="en-GB" i="1"/>
+                          <a:rPr lang="en-GB" i="1">
+                            <a:latin typeface="Cambria Math"/>
+                          </a:rPr>
                           <m:t>,</m:t>
                         </m:r>
                         <m:r>
-                          <a:rPr lang="en-GB" i="1"/>
+                          <a:rPr lang="en-GB" i="1">
+                            <a:latin typeface="Cambria Math"/>
+                          </a:rPr>
                           <m:t>𝐶𝐸</m:t>
                         </m:r>
                       </m:e>
@@ -7539,7 +7624,9 @@
                 <a14:m>
                   <m:oMath xmlns:m="http://schemas.openxmlformats.org/officeDocument/2006/math">
                     <m:r>
-                      <a:rPr lang="en-GB" i="1"/>
+                      <a:rPr lang="en-GB" i="1">
+                        <a:latin typeface="Cambria Math"/>
+                      </a:rPr>
                       <m:t>→</m:t>
                     </m:r>
                     <m:d>
@@ -7547,44 +7634,64 @@
                         <m:begChr m:val="{"/>
                         <m:endChr m:val="}"/>
                         <m:ctrlPr>
-                          <a:rPr lang="en-GB" i="1"/>
+                          <a:rPr lang="en-GB" i="1">
+                            <a:latin typeface="Cambria Math"/>
+                          </a:rPr>
                         </m:ctrlPr>
                       </m:dPr>
                       <m:e>
                         <m:r>
-                          <a:rPr lang="en-GB" i="1"/>
+                          <a:rPr lang="en-GB" i="1">
+                            <a:latin typeface="Cambria Math"/>
+                          </a:rPr>
                           <m:t>𝐹𝑅</m:t>
                         </m:r>
                         <m:r>
-                          <a:rPr lang="en-GB" i="1"/>
+                          <a:rPr lang="en-GB" i="1">
+                            <a:latin typeface="Cambria Math"/>
+                          </a:rPr>
                           <m:t>,</m:t>
                         </m:r>
                         <m:r>
-                          <a:rPr lang="en-GB" i="1"/>
+                          <a:rPr lang="en-GB" i="1">
+                            <a:latin typeface="Cambria Math"/>
+                          </a:rPr>
                           <m:t>𝑅𝐸</m:t>
                         </m:r>
                         <m:r>
-                          <a:rPr lang="en-GB" i="1"/>
+                          <a:rPr lang="en-GB" i="1">
+                            <a:latin typeface="Cambria Math"/>
+                          </a:rPr>
                           <m:t>,</m:t>
                         </m:r>
                         <m:r>
-                          <a:rPr lang="en-GB" i="1"/>
+                          <a:rPr lang="en-GB" i="1">
+                            <a:latin typeface="Cambria Math"/>
+                          </a:rPr>
                           <m:t>𝐸𝑁</m:t>
                         </m:r>
                         <m:r>
-                          <a:rPr lang="en-GB" i="1"/>
+                          <a:rPr lang="en-GB" i="1">
+                            <a:latin typeface="Cambria Math"/>
+                          </a:rPr>
                           <m:t>,</m:t>
                         </m:r>
                         <m:r>
-                          <a:rPr lang="en-GB" i="1"/>
+                          <a:rPr lang="en-GB" i="1">
+                            <a:latin typeface="Cambria Math"/>
+                          </a:rPr>
                           <m:t>𝑁𝐶</m:t>
                         </m:r>
                         <m:r>
-                          <a:rPr lang="en-GB" i="1"/>
+                          <a:rPr lang="en-GB" i="1">
+                            <a:latin typeface="Cambria Math"/>
+                          </a:rPr>
                           <m:t>,</m:t>
                         </m:r>
                         <m:r>
-                          <a:rPr lang="en-GB" i="1"/>
+                          <a:rPr lang="en-GB" i="1">
+                            <a:latin typeface="Cambria Math"/>
+                          </a:rPr>
                           <m:t>𝐶𝐻</m:t>
                         </m:r>
                       </m:e>
@@ -7609,43 +7716,59 @@
                 <a14:m>
                   <m:oMath xmlns:m="http://schemas.openxmlformats.org/officeDocument/2006/math">
                     <m:r>
-                      <a:rPr lang="en-GB" i="1"/>
+                      <a:rPr lang="en-GB" i="1">
+                        <a:latin typeface="Cambria Math"/>
+                      </a:rPr>
                       <m:t>𝑠𝑖𝑚𝑖𝑙𝑎𝑟𝑖𝑡𝑦</m:t>
                     </m:r>
                     <m:d>
                       <m:dPr>
                         <m:ctrlPr>
-                          <a:rPr lang="en-GB" i="1"/>
+                          <a:rPr lang="en-GB" i="1">
+                            <a:latin typeface="Cambria Math"/>
+                          </a:rPr>
                         </m:ctrlPr>
                       </m:dPr>
                       <m:e>
                         <m:r>
-                          <a:rPr lang="en-GB" i="1"/>
+                          <a:rPr lang="en-GB" i="1">
+                            <a:latin typeface="Cambria Math"/>
+                          </a:rPr>
                           <m:t>𝐹𝑅𝐴𝑁𝐶𝐸</m:t>
                         </m:r>
                         <m:r>
-                          <a:rPr lang="en-GB" i="1"/>
+                          <a:rPr lang="en-GB" i="1">
+                            <a:latin typeface="Cambria Math"/>
+                          </a:rPr>
                           <m:t>,</m:t>
                         </m:r>
                         <m:r>
-                          <a:rPr lang="en-GB" i="1"/>
+                          <a:rPr lang="en-GB" i="1">
+                            <a:latin typeface="Cambria Math"/>
+                          </a:rPr>
                           <m:t>𝐹𝑅𝐸𝑁𝐶𝐻</m:t>
                         </m:r>
                       </m:e>
                     </m:d>
                     <m:r>
-                      <a:rPr lang="en-GB" i="1"/>
+                      <a:rPr lang="en-GB" i="1">
+                        <a:latin typeface="Cambria Math"/>
+                      </a:rPr>
                       <m:t>=</m:t>
                     </m:r>
                     <m:f>
                       <m:fPr>
                         <m:ctrlPr>
-                          <a:rPr lang="en-GB" i="1"/>
+                          <a:rPr lang="en-GB" i="1">
+                            <a:latin typeface="Cambria Math"/>
+                          </a:rPr>
                         </m:ctrlPr>
                       </m:fPr>
                       <m:num>
                         <m:r>
-                          <a:rPr lang="en-GB" i="1"/>
+                          <a:rPr lang="en-GB" i="1">
+                            <a:latin typeface="Cambria Math"/>
+                          </a:rPr>
                           <m:t>2×</m:t>
                         </m:r>
                         <m:d>
@@ -7653,7 +7776,9 @@
                             <m:begChr m:val="|"/>
                             <m:endChr m:val="|"/>
                             <m:ctrlPr>
-                              <a:rPr lang="en-GB" i="1"/>
+                              <a:rPr lang="en-GB" i="1">
+                                <a:latin typeface="Cambria Math"/>
+                              </a:rPr>
                             </m:ctrlPr>
                           </m:dPr>
                           <m:e>
@@ -7662,20 +7787,28 @@
                                 <m:begChr m:val="{"/>
                                 <m:endChr m:val="}"/>
                                 <m:ctrlPr>
-                                  <a:rPr lang="en-GB" i="1"/>
+                                  <a:rPr lang="en-GB" i="1">
+                                    <a:latin typeface="Cambria Math"/>
+                                  </a:rPr>
                                 </m:ctrlPr>
                               </m:dPr>
                               <m:e>
                                 <m:r>
-                                  <a:rPr lang="en-GB" i="1"/>
+                                  <a:rPr lang="en-GB" i="1">
+                                    <a:latin typeface="Cambria Math"/>
+                                  </a:rPr>
                                   <m:t>𝐹𝑅</m:t>
                                 </m:r>
                                 <m:r>
-                                  <a:rPr lang="en-GB" i="1"/>
+                                  <a:rPr lang="en-GB" i="1">
+                                    <a:latin typeface="Cambria Math"/>
+                                  </a:rPr>
                                   <m:t>,</m:t>
                                 </m:r>
                                 <m:r>
-                                  <a:rPr lang="en-GB" i="1"/>
+                                  <a:rPr lang="en-GB" i="1">
+                                    <a:latin typeface="Cambria Math"/>
+                                  </a:rPr>
                                   <m:t>𝑁𝐶</m:t>
                                 </m:r>
                               </m:e>
@@ -7689,7 +7822,9 @@
                             <m:begChr m:val="|"/>
                             <m:endChr m:val="|"/>
                             <m:ctrlPr>
-                              <a:rPr lang="en-GB" i="1"/>
+                              <a:rPr lang="en-GB" i="1">
+                                <a:latin typeface="Cambria Math"/>
+                              </a:rPr>
                             </m:ctrlPr>
                           </m:dPr>
                           <m:e>
@@ -7698,44 +7833,64 @@
                                 <m:begChr m:val="{"/>
                                 <m:endChr m:val="}"/>
                                 <m:ctrlPr>
-                                  <a:rPr lang="en-GB" i="1"/>
+                                  <a:rPr lang="en-GB" i="1">
+                                    <a:latin typeface="Cambria Math"/>
+                                  </a:rPr>
                                 </m:ctrlPr>
                               </m:dPr>
                               <m:e>
                                 <m:r>
-                                  <a:rPr lang="en-GB" i="1"/>
+                                  <a:rPr lang="en-GB" i="1">
+                                    <a:latin typeface="Cambria Math"/>
+                                  </a:rPr>
                                   <m:t>𝐹𝑅</m:t>
                                 </m:r>
                                 <m:r>
-                                  <a:rPr lang="en-GB" i="1"/>
+                                  <a:rPr lang="en-GB" i="1">
+                                    <a:latin typeface="Cambria Math"/>
+                                  </a:rPr>
                                   <m:t>,</m:t>
                                 </m:r>
                                 <m:r>
-                                  <a:rPr lang="en-GB" i="1"/>
+                                  <a:rPr lang="en-GB" i="1">
+                                    <a:latin typeface="Cambria Math"/>
+                                  </a:rPr>
                                   <m:t>𝑅𝐴</m:t>
                                 </m:r>
                                 <m:r>
-                                  <a:rPr lang="en-GB" i="1"/>
+                                  <a:rPr lang="en-GB" i="1">
+                                    <a:latin typeface="Cambria Math"/>
+                                  </a:rPr>
                                   <m:t>,</m:t>
                                 </m:r>
                                 <m:r>
-                                  <a:rPr lang="en-GB" i="1"/>
+                                  <a:rPr lang="en-GB" i="1">
+                                    <a:latin typeface="Cambria Math"/>
+                                  </a:rPr>
                                   <m:t>𝐴𝑁</m:t>
                                 </m:r>
                                 <m:r>
-                                  <a:rPr lang="en-GB" i="1"/>
+                                  <a:rPr lang="en-GB" i="1">
+                                    <a:latin typeface="Cambria Math"/>
+                                  </a:rPr>
                                   <m:t>,</m:t>
                                 </m:r>
                                 <m:r>
-                                  <a:rPr lang="en-GB" i="1"/>
+                                  <a:rPr lang="en-GB" i="1">
+                                    <a:latin typeface="Cambria Math"/>
+                                  </a:rPr>
                                   <m:t>𝑁𝐶</m:t>
                                 </m:r>
                                 <m:r>
-                                  <a:rPr lang="en-GB" i="1"/>
+                                  <a:rPr lang="en-GB" i="1">
+                                    <a:latin typeface="Cambria Math"/>
+                                  </a:rPr>
                                   <m:t>,</m:t>
                                 </m:r>
                                 <m:r>
-                                  <a:rPr lang="en-GB" i="1"/>
+                                  <a:rPr lang="en-GB" i="1">
+                                    <a:latin typeface="Cambria Math"/>
+                                  </a:rPr>
                                   <m:t>𝐶𝐸</m:t>
                                 </m:r>
                               </m:e>
@@ -7743,7 +7898,9 @@
                           </m:e>
                         </m:d>
                         <m:r>
-                          <a:rPr lang="en-GB" i="1"/>
+                          <a:rPr lang="en-GB" i="1">
+                            <a:latin typeface="Cambria Math"/>
+                          </a:rPr>
                           <m:t>+</m:t>
                         </m:r>
                         <m:d>
@@ -7751,7 +7908,9 @@
                             <m:begChr m:val="|"/>
                             <m:endChr m:val="|"/>
                             <m:ctrlPr>
-                              <a:rPr lang="en-GB" i="1"/>
+                              <a:rPr lang="en-GB" i="1">
+                                <a:latin typeface="Cambria Math"/>
+                              </a:rPr>
                             </m:ctrlPr>
                           </m:dPr>
                           <m:e>
@@ -7760,44 +7919,64 @@
                                 <m:begChr m:val="{"/>
                                 <m:endChr m:val="}"/>
                                 <m:ctrlPr>
-                                  <a:rPr lang="en-GB" i="1"/>
+                                  <a:rPr lang="en-GB" i="1">
+                                    <a:latin typeface="Cambria Math"/>
+                                  </a:rPr>
                                 </m:ctrlPr>
                               </m:dPr>
                               <m:e>
                                 <m:r>
-                                  <a:rPr lang="en-GB" i="1"/>
+                                  <a:rPr lang="en-GB" i="1">
+                                    <a:latin typeface="Cambria Math"/>
+                                  </a:rPr>
                                   <m:t>𝐹𝑅</m:t>
                                 </m:r>
                                 <m:r>
-                                  <a:rPr lang="en-GB" i="1"/>
+                                  <a:rPr lang="en-GB" i="1">
+                                    <a:latin typeface="Cambria Math"/>
+                                  </a:rPr>
                                   <m:t>,</m:t>
                                 </m:r>
                                 <m:r>
-                                  <a:rPr lang="en-GB" i="1"/>
+                                  <a:rPr lang="en-GB" i="1">
+                                    <a:latin typeface="Cambria Math"/>
+                                  </a:rPr>
                                   <m:t>𝑅𝐸</m:t>
                                 </m:r>
                                 <m:r>
-                                  <a:rPr lang="en-GB" i="1"/>
+                                  <a:rPr lang="en-GB" i="1">
+                                    <a:latin typeface="Cambria Math"/>
+                                  </a:rPr>
                                   <m:t>,</m:t>
                                 </m:r>
                                 <m:r>
-                                  <a:rPr lang="en-GB" i="1"/>
+                                  <a:rPr lang="en-GB" i="1">
+                                    <a:latin typeface="Cambria Math"/>
+                                  </a:rPr>
                                   <m:t>𝐸𝑁</m:t>
                                 </m:r>
                                 <m:r>
-                                  <a:rPr lang="en-GB" i="1"/>
+                                  <a:rPr lang="en-GB" i="1">
+                                    <a:latin typeface="Cambria Math"/>
+                                  </a:rPr>
                                   <m:t>,</m:t>
                                 </m:r>
                                 <m:r>
-                                  <a:rPr lang="en-GB" i="1"/>
+                                  <a:rPr lang="en-GB" i="1">
+                                    <a:latin typeface="Cambria Math"/>
+                                  </a:rPr>
                                   <m:t>𝑁𝐶</m:t>
                                 </m:r>
                                 <m:r>
-                                  <a:rPr lang="en-GB" i="1"/>
+                                  <a:rPr lang="en-GB" i="1">
+                                    <a:latin typeface="Cambria Math"/>
+                                  </a:rPr>
                                   <m:t>,</m:t>
                                 </m:r>
                                 <m:r>
-                                  <a:rPr lang="en-GB" i="1"/>
+                                  <a:rPr lang="en-GB" i="1">
+                                    <a:latin typeface="Cambria Math"/>
+                                  </a:rPr>
                                   <m:t>𝐶𝐻</m:t>
                                 </m:r>
                               </m:e>
@@ -7818,53 +7997,71 @@
                 <a14:m>
                   <m:oMath xmlns:m="http://schemas.openxmlformats.org/officeDocument/2006/math">
                     <m:r>
-                      <a:rPr lang="en-GB" i="1"/>
+                      <a:rPr lang="en-GB" i="1">
+                        <a:latin typeface="Cambria Math"/>
+                      </a:rPr>
                       <m:t>=</m:t>
                     </m:r>
                     <m:f>
                       <m:fPr>
                         <m:ctrlPr>
-                          <a:rPr lang="en-GB" i="1"/>
+                          <a:rPr lang="en-GB" i="1">
+                            <a:latin typeface="Cambria Math"/>
+                          </a:rPr>
                         </m:ctrlPr>
                       </m:fPr>
                       <m:num>
                         <m:r>
-                          <a:rPr lang="en-GB" i="1"/>
+                          <a:rPr lang="en-GB" i="1">
+                            <a:latin typeface="Cambria Math"/>
+                          </a:rPr>
                           <m:t>2×2</m:t>
                         </m:r>
                       </m:num>
                       <m:den>
                         <m:r>
-                          <a:rPr lang="en-GB" i="1"/>
+                          <a:rPr lang="en-GB" i="1">
+                            <a:latin typeface="Cambria Math"/>
+                          </a:rPr>
                           <m:t>5+5</m:t>
                         </m:r>
                       </m:den>
                     </m:f>
                     <m:r>
-                      <a:rPr lang="en-GB" i="1"/>
+                      <a:rPr lang="en-GB" i="1">
+                        <a:latin typeface="Cambria Math"/>
+                      </a:rPr>
                       <m:t>=</m:t>
                     </m:r>
                     <m:f>
                       <m:fPr>
                         <m:ctrlPr>
-                          <a:rPr lang="en-GB" i="1"/>
+                          <a:rPr lang="en-GB" i="1">
+                            <a:latin typeface="Cambria Math"/>
+                          </a:rPr>
                         </m:ctrlPr>
                       </m:fPr>
                       <m:num>
                         <m:r>
-                          <a:rPr lang="en-GB" i="1"/>
+                          <a:rPr lang="en-GB" i="1">
+                            <a:latin typeface="Cambria Math"/>
+                          </a:rPr>
                           <m:t>4</m:t>
                         </m:r>
                       </m:num>
                       <m:den>
                         <m:r>
-                          <a:rPr lang="en-GB" i="1"/>
+                          <a:rPr lang="en-GB" i="1">
+                            <a:latin typeface="Cambria Math"/>
+                          </a:rPr>
                           <m:t>10</m:t>
                         </m:r>
                       </m:den>
                     </m:f>
                     <m:r>
-                      <a:rPr lang="en-GB" i="1"/>
+                      <a:rPr lang="en-GB" i="1">
+                        <a:latin typeface="Cambria Math"/>
+                      </a:rPr>
                       <m:t>=0.4</m:t>
                     </m:r>
                   </m:oMath>
@@ -7881,7 +8078,7 @@
             </p:txBody>
           </p:sp>
         </mc:Choice>
-        <mc:Fallback>
+        <mc:Fallback xmlns="">
           <p:sp>
             <p:nvSpPr>
               <p:cNvPr id="3" name="Content Placeholder 2"/>
@@ -7929,13 +8126,13 @@
   <p:clrMapOvr>
     <a:masterClrMapping/>
   </p:clrMapOvr>
-  <mc:AlternateContent xmlns:mc="http://schemas.openxmlformats.org/markup-compatibility/2006">
-    <mc:Choice xmlns:p14="http://schemas.microsoft.com/office/powerpoint/2010/main" Requires="p14">
+  <mc:AlternateContent xmlns:mc="http://schemas.openxmlformats.org/markup-compatibility/2006" xmlns:p14="http://schemas.microsoft.com/office/powerpoint/2010/main">
+    <mc:Choice Requires="p14">
       <p:transition spd="slow" p14:dur="2500">
         <p:checker/>
       </p:transition>
     </mc:Choice>
-    <mc:Fallback>
+    <mc:Fallback xmlns="">
       <p:transition spd="slow">
         <p:checker/>
       </p:transition>
@@ -8641,7 +8838,7 @@
   <a:extraClrSchemeLst/>
   <a:extLst>
     <a:ext uri="{05A4C25C-085E-4340-85A3-A5531E510DB2}">
-      <thm15:themeFamily xmlns="" xmlns:thm15="http://schemas.microsoft.com/office/thememl/2012/main" name="Facet" id="{C0C680CD-088A-49FC-A102-D699147F32B2}" vid="{CFBC31BA-B70F-4F30-BCAA-4F3011E16C4D}"/>
+      <thm15:themeFamily xmlns:thm15="http://schemas.microsoft.com/office/thememl/2012/main" xmlns="" name="Facet" id="{C0C680CD-088A-49FC-A102-D699147F32B2}" vid="{CFBC31BA-B70F-4F30-BCAA-4F3011E16C4D}"/>
     </a:ext>
   </a:extLst>
 </a:theme>
